--- a/Presentation.pptx
+++ b/Presentation.pptx
@@ -11,7 +11,6 @@
     <p:sldId id="258" r:id="rId5"/>
     <p:sldId id="259" r:id="rId6"/>
     <p:sldId id="260" r:id="rId7"/>
-    <p:sldId id="261" r:id="rId8"/>
   </p:sldIdLst>
   <p:sldSz cx="12192000" cy="6858000"/>
   <p:notesSz cx="6858000" cy="9144000"/>
@@ -110,6 +109,11 @@
       </a:defRPr>
     </a:lvl9pPr>
   </p:defaultTextStyle>
+  <p:extLst>
+    <p:ext uri="{EFAFB233-063F-42B5-8137-9DF3F51BA10A}">
+      <p15:sldGuideLst xmlns:p15="http://schemas.microsoft.com/office/powerpoint/2012/main"/>
+    </p:ext>
+  </p:extLst>
 </p:presentation>
 </file>
 
@@ -262,7 +266,7 @@
           <a:p>
             <a:fld id="{57E2B373-9F17-41C2-893E-FD56FDDF8537}" type="datetimeFigureOut">
               <a:rPr lang="pl-PL" smtClean="0"/>
-              <a:t>03.10.2018</a:t>
+              <a:t>04.10.2018</a:t>
             </a:fld>
             <a:endParaRPr lang="pl-PL"/>
           </a:p>
@@ -462,7 +466,7 @@
           <a:p>
             <a:fld id="{57E2B373-9F17-41C2-893E-FD56FDDF8537}" type="datetimeFigureOut">
               <a:rPr lang="pl-PL" smtClean="0"/>
-              <a:t>03.10.2018</a:t>
+              <a:t>04.10.2018</a:t>
             </a:fld>
             <a:endParaRPr lang="pl-PL"/>
           </a:p>
@@ -672,7 +676,7 @@
           <a:p>
             <a:fld id="{57E2B373-9F17-41C2-893E-FD56FDDF8537}" type="datetimeFigureOut">
               <a:rPr lang="pl-PL" smtClean="0"/>
-              <a:t>03.10.2018</a:t>
+              <a:t>04.10.2018</a:t>
             </a:fld>
             <a:endParaRPr lang="pl-PL"/>
           </a:p>
@@ -872,7 +876,7 @@
           <a:p>
             <a:fld id="{57E2B373-9F17-41C2-893E-FD56FDDF8537}" type="datetimeFigureOut">
               <a:rPr lang="pl-PL" smtClean="0"/>
-              <a:t>03.10.2018</a:t>
+              <a:t>04.10.2018</a:t>
             </a:fld>
             <a:endParaRPr lang="pl-PL"/>
           </a:p>
@@ -1148,7 +1152,7 @@
           <a:p>
             <a:fld id="{57E2B373-9F17-41C2-893E-FD56FDDF8537}" type="datetimeFigureOut">
               <a:rPr lang="pl-PL" smtClean="0"/>
-              <a:t>03.10.2018</a:t>
+              <a:t>04.10.2018</a:t>
             </a:fld>
             <a:endParaRPr lang="pl-PL"/>
           </a:p>
@@ -1416,7 +1420,7 @@
           <a:p>
             <a:fld id="{57E2B373-9F17-41C2-893E-FD56FDDF8537}" type="datetimeFigureOut">
               <a:rPr lang="pl-PL" smtClean="0"/>
-              <a:t>03.10.2018</a:t>
+              <a:t>04.10.2018</a:t>
             </a:fld>
             <a:endParaRPr lang="pl-PL"/>
           </a:p>
@@ -1831,7 +1835,7 @@
           <a:p>
             <a:fld id="{57E2B373-9F17-41C2-893E-FD56FDDF8537}" type="datetimeFigureOut">
               <a:rPr lang="pl-PL" smtClean="0"/>
-              <a:t>03.10.2018</a:t>
+              <a:t>04.10.2018</a:t>
             </a:fld>
             <a:endParaRPr lang="pl-PL"/>
           </a:p>
@@ -1973,7 +1977,7 @@
           <a:p>
             <a:fld id="{57E2B373-9F17-41C2-893E-FD56FDDF8537}" type="datetimeFigureOut">
               <a:rPr lang="pl-PL" smtClean="0"/>
-              <a:t>03.10.2018</a:t>
+              <a:t>04.10.2018</a:t>
             </a:fld>
             <a:endParaRPr lang="pl-PL"/>
           </a:p>
@@ -2086,7 +2090,7 @@
           <a:p>
             <a:fld id="{57E2B373-9F17-41C2-893E-FD56FDDF8537}" type="datetimeFigureOut">
               <a:rPr lang="pl-PL" smtClean="0"/>
-              <a:t>03.10.2018</a:t>
+              <a:t>04.10.2018</a:t>
             </a:fld>
             <a:endParaRPr lang="pl-PL"/>
           </a:p>
@@ -2399,7 +2403,7 @@
           <a:p>
             <a:fld id="{57E2B373-9F17-41C2-893E-FD56FDDF8537}" type="datetimeFigureOut">
               <a:rPr lang="pl-PL" smtClean="0"/>
-              <a:t>03.10.2018</a:t>
+              <a:t>04.10.2018</a:t>
             </a:fld>
             <a:endParaRPr lang="pl-PL"/>
           </a:p>
@@ -2688,7 +2692,7 @@
           <a:p>
             <a:fld id="{57E2B373-9F17-41C2-893E-FD56FDDF8537}" type="datetimeFigureOut">
               <a:rPr lang="pl-PL" smtClean="0"/>
-              <a:t>03.10.2018</a:t>
+              <a:t>04.10.2018</a:t>
             </a:fld>
             <a:endParaRPr lang="pl-PL"/>
           </a:p>
@@ -2931,7 +2935,7 @@
           <a:p>
             <a:fld id="{57E2B373-9F17-41C2-893E-FD56FDDF8537}" type="datetimeFigureOut">
               <a:rPr lang="pl-PL" smtClean="0"/>
-              <a:t>03.10.2018</a:t>
+              <a:t>04.10.2018</a:t>
             </a:fld>
             <a:endParaRPr lang="pl-PL"/>
           </a:p>
@@ -3834,6 +3838,61 @@
             </a:r>
           </a:p>
           <a:p>
+            <a:r>
+              <a:rPr lang="en-US" dirty="0"/>
+              <a:t>Dictionary&lt;</a:t>
+            </a:r>
+            <a:r>
+              <a:rPr lang="en-US" dirty="0" err="1"/>
+              <a:t>Tkey</a:t>
+            </a:r>
+            <a:r>
+              <a:rPr lang="en-US" dirty="0"/>
+              <a:t>, </a:t>
+            </a:r>
+            <a:r>
+              <a:rPr lang="en-US" dirty="0" err="1"/>
+              <a:t>Tvalue</a:t>
+            </a:r>
+            <a:r>
+              <a:rPr lang="en-US" dirty="0"/>
+              <a:t>&gt;</a:t>
+            </a:r>
+          </a:p>
+          <a:p>
+            <a:r>
+              <a:rPr lang="en-US" dirty="0" err="1"/>
+              <a:t>SortedList</a:t>
+            </a:r>
+            <a:r>
+              <a:rPr lang="en-US" dirty="0"/>
+              <a:t>&lt;</a:t>
+            </a:r>
+            <a:r>
+              <a:rPr lang="en-US" dirty="0" err="1"/>
+              <a:t>Tkey,Tvalue</a:t>
+            </a:r>
+            <a:r>
+              <a:rPr lang="en-US" dirty="0"/>
+              <a:t>&gt;</a:t>
+            </a:r>
+          </a:p>
+          <a:p>
+            <a:r>
+              <a:rPr lang="en-US" dirty="0"/>
+              <a:t>Stack&lt;T&gt;</a:t>
+            </a:r>
+          </a:p>
+          <a:p>
+            <a:r>
+              <a:rPr lang="en-US" dirty="0"/>
+              <a:t>Queue&lt;T&gt;</a:t>
+            </a:r>
+          </a:p>
+          <a:p>
+            <a:pPr marL="0" indent="0">
+              <a:buNone/>
+            </a:pPr>
             <a:endParaRPr lang="en-US" dirty="0"/>
           </a:p>
           <a:p>
@@ -3924,7 +3983,41 @@
           <a:bodyPr/>
           <a:lstStyle/>
           <a:p>
-            <a:endParaRPr lang="pl-PL"/>
+            <a:r>
+              <a:rPr lang="pl-PL" dirty="0"/>
+              <a:t>ImmutableList&lt;T&gt;</a:t>
+            </a:r>
+            <a:endParaRPr lang="en-US" dirty="0"/>
+          </a:p>
+          <a:p>
+            <a:r>
+              <a:rPr lang="pl-PL" dirty="0"/>
+              <a:t>ConcurrentDictionary&lt;TKey,TValue&gt;</a:t>
+            </a:r>
+            <a:endParaRPr lang="en-US" dirty="0"/>
+          </a:p>
+          <a:p>
+            <a:r>
+              <a:rPr lang="pl-PL" dirty="0"/>
+              <a:t>ImmutableSortedDictionary&lt;TKey,TValue&gt;</a:t>
+            </a:r>
+            <a:endParaRPr lang="en-US" dirty="0"/>
+          </a:p>
+          <a:p>
+            <a:r>
+              <a:rPr lang="pl-PL" dirty="0"/>
+              <a:t>ImmutableStack&lt;T&gt;</a:t>
+            </a:r>
+            <a:endParaRPr lang="en-US" dirty="0"/>
+          </a:p>
+          <a:p>
+            <a:r>
+              <a:rPr lang="pl-PL" dirty="0"/>
+              <a:t>ImmutableQueue&lt;T&gt;</a:t>
+            </a:r>
+          </a:p>
+          <a:p>
+            <a:endParaRPr lang="pl-PL" dirty="0"/>
           </a:p>
         </p:txBody>
       </p:sp>
@@ -3932,95 +4025,6 @@
     <p:extLst>
       <p:ext uri="{BB962C8B-B14F-4D97-AF65-F5344CB8AC3E}">
         <p14:creationId xmlns:p14="http://schemas.microsoft.com/office/powerpoint/2010/main" val="3366195134"/>
-      </p:ext>
-    </p:extLst>
-  </p:cSld>
-  <p:clrMapOvr>
-    <a:masterClrMapping/>
-  </p:clrMapOvr>
-</p:sld>
-</file>
-
-<file path=ppt/slides/slide7.xml><?xml version="1.0" encoding="utf-8"?>
-<p:sld xmlns:a="http://schemas.openxmlformats.org/drawingml/2006/main" xmlns:r="http://schemas.openxmlformats.org/officeDocument/2006/relationships" xmlns:p="http://schemas.openxmlformats.org/presentationml/2006/main">
-  <p:cSld>
-    <p:spTree>
-      <p:nvGrpSpPr>
-        <p:cNvPr id="1" name=""/>
-        <p:cNvGrpSpPr/>
-        <p:nvPr/>
-      </p:nvGrpSpPr>
-      <p:grpSpPr>
-        <a:xfrm>
-          <a:off x="0" y="0"/>
-          <a:ext cx="0" cy="0"/>
-          <a:chOff x="0" y="0"/>
-          <a:chExt cx="0" cy="0"/>
-        </a:xfrm>
-      </p:grpSpPr>
-      <p:sp>
-        <p:nvSpPr>
-          <p:cNvPr id="2" name="Title 1">
-            <a:extLst>
-              <a:ext uri="{FF2B5EF4-FFF2-40B4-BE49-F238E27FC236}">
-                <a16:creationId xmlns:a16="http://schemas.microsoft.com/office/drawing/2014/main" id="{11E04351-6AF5-41D9-9C08-D1FE062F1845}"/>
-              </a:ext>
-            </a:extLst>
-          </p:cNvPr>
-          <p:cNvSpPr>
-            <a:spLocks noGrp="1"/>
-          </p:cNvSpPr>
-          <p:nvPr>
-            <p:ph type="title"/>
-          </p:nvPr>
-        </p:nvSpPr>
-        <p:spPr>
-          <a:xfrm>
-            <a:off x="838200" y="365125"/>
-            <a:ext cx="10943492" cy="1325563"/>
-          </a:xfrm>
-        </p:spPr>
-        <p:txBody>
-          <a:bodyPr/>
-          <a:lstStyle/>
-          <a:p>
-            <a:r>
-              <a:rPr lang="en-US" dirty="0"/>
-              <a:t>Object model collections (Read only collections)</a:t>
-            </a:r>
-            <a:endParaRPr lang="pl-PL" dirty="0"/>
-          </a:p>
-        </p:txBody>
-      </p:sp>
-      <p:sp>
-        <p:nvSpPr>
-          <p:cNvPr id="3" name="Content Placeholder 2">
-            <a:extLst>
-              <a:ext uri="{FF2B5EF4-FFF2-40B4-BE49-F238E27FC236}">
-                <a16:creationId xmlns:a16="http://schemas.microsoft.com/office/drawing/2014/main" id="{378438A4-AA1B-4E7F-9AF5-1CC4E3C3DCBF}"/>
-              </a:ext>
-            </a:extLst>
-          </p:cNvPr>
-          <p:cNvSpPr>
-            <a:spLocks noGrp="1"/>
-          </p:cNvSpPr>
-          <p:nvPr>
-            <p:ph idx="1"/>
-          </p:nvPr>
-        </p:nvSpPr>
-        <p:spPr/>
-        <p:txBody>
-          <a:bodyPr/>
-          <a:lstStyle/>
-          <a:p>
-            <a:endParaRPr lang="pl-PL" dirty="0"/>
-          </a:p>
-        </p:txBody>
-      </p:sp>
-    </p:spTree>
-    <p:extLst>
-      <p:ext uri="{BB962C8B-B14F-4D97-AF65-F5344CB8AC3E}">
-        <p14:creationId xmlns:p14="http://schemas.microsoft.com/office/powerpoint/2010/main" val="573279194"/>
       </p:ext>
     </p:extLst>
   </p:cSld>
